--- a/presentations/15 - Refatoração e Clean Code - DebtTech, CleanCode e Refact.pptx
+++ b/presentations/15 - Refatoração e Clean Code - DebtTech, CleanCode e Refact.pptx
@@ -236,7 +236,7 @@
             <a:fld id="{9DEF996C-CA2C-436E-A903-7F2E7C68ADF8}" type="datetimeFigureOut">
               <a:rPr lang="en-US" smtClean="0"/>
               <a:pPr/>
-              <a:t>7/7/2020</a:t>
+              <a:t>7/21/2020</a:t>
             </a:fld>
             <a:endParaRPr lang="en-US"/>
           </a:p>
@@ -403,7 +403,7 @@
             <a:fld id="{56D6514A-F4CA-40F5-B508-6CC5FEA6DD64}" type="datetimeFigureOut">
               <a:rPr lang="en-US" smtClean="0"/>
               <a:pPr/>
-              <a:t>7/7/2020</a:t>
+              <a:t>7/21/2020</a:t>
             </a:fld>
             <a:endParaRPr lang="en-US"/>
           </a:p>
@@ -863,7 +863,7 @@
           <a:p>
             <a:fld id="{0A0255A0-EE2B-6E49-A611-C16850102233}" type="datetimeFigureOut">
               <a:rPr lang="en-US" smtClean="0"/>
-              <a:t>7/7/2020</a:t>
+              <a:t>7/21/2020</a:t>
             </a:fld>
             <a:endParaRPr lang="en-US"/>
           </a:p>
@@ -1057,7 +1057,7 @@
           <a:p>
             <a:fld id="{0A0255A0-EE2B-6E49-A611-C16850102233}" type="datetimeFigureOut">
               <a:rPr lang="en-US" smtClean="0"/>
-              <a:t>7/7/2020</a:t>
+              <a:t>7/21/2020</a:t>
             </a:fld>
             <a:endParaRPr lang="en-US"/>
           </a:p>
@@ -1261,7 +1261,7 @@
           <a:p>
             <a:fld id="{0A0255A0-EE2B-6E49-A611-C16850102233}" type="datetimeFigureOut">
               <a:rPr lang="en-US" smtClean="0"/>
-              <a:t>7/7/2020</a:t>
+              <a:t>7/21/2020</a:t>
             </a:fld>
             <a:endParaRPr lang="en-US"/>
           </a:p>
@@ -3267,7 +3267,7 @@
           <a:p>
             <a:fld id="{0A0255A0-EE2B-6E49-A611-C16850102233}" type="datetimeFigureOut">
               <a:rPr lang="en-US" smtClean="0"/>
-              <a:t>7/7/2020</a:t>
+              <a:t>7/21/2020</a:t>
             </a:fld>
             <a:endParaRPr lang="en-US"/>
           </a:p>
@@ -3537,7 +3537,7 @@
           <a:p>
             <a:fld id="{0A0255A0-EE2B-6E49-A611-C16850102233}" type="datetimeFigureOut">
               <a:rPr lang="en-US" smtClean="0"/>
-              <a:t>7/7/2020</a:t>
+              <a:t>7/21/2020</a:t>
             </a:fld>
             <a:endParaRPr lang="en-US"/>
           </a:p>
@@ -3849,7 +3849,7 @@
           <a:p>
             <a:fld id="{0A0255A0-EE2B-6E49-A611-C16850102233}" type="datetimeFigureOut">
               <a:rPr lang="en-US" smtClean="0"/>
-              <a:t>7/7/2020</a:t>
+              <a:t>7/21/2020</a:t>
             </a:fld>
             <a:endParaRPr lang="en-US"/>
           </a:p>
@@ -4295,7 +4295,7 @@
           <a:p>
             <a:fld id="{0A0255A0-EE2B-6E49-A611-C16850102233}" type="datetimeFigureOut">
               <a:rPr lang="en-US" smtClean="0"/>
-              <a:t>7/7/2020</a:t>
+              <a:t>7/21/2020</a:t>
             </a:fld>
             <a:endParaRPr lang="en-US"/>
           </a:p>
@@ -4437,7 +4437,7 @@
           <a:p>
             <a:fld id="{0A0255A0-EE2B-6E49-A611-C16850102233}" type="datetimeFigureOut">
               <a:rPr lang="en-US" smtClean="0"/>
-              <a:t>7/7/2020</a:t>
+              <a:t>7/21/2020</a:t>
             </a:fld>
             <a:endParaRPr lang="en-US"/>
           </a:p>
@@ -4556,7 +4556,7 @@
           <a:p>
             <a:fld id="{0A0255A0-EE2B-6E49-A611-C16850102233}" type="datetimeFigureOut">
               <a:rPr lang="en-US" smtClean="0"/>
-              <a:t>7/7/2020</a:t>
+              <a:t>7/21/2020</a:t>
             </a:fld>
             <a:endParaRPr lang="en-US"/>
           </a:p>
@@ -4857,7 +4857,7 @@
           <a:p>
             <a:fld id="{0A0255A0-EE2B-6E49-A611-C16850102233}" type="datetimeFigureOut">
               <a:rPr lang="en-US" smtClean="0"/>
-              <a:t>7/7/2020</a:t>
+              <a:t>7/21/2020</a:t>
             </a:fld>
             <a:endParaRPr lang="en-US"/>
           </a:p>
@@ -5134,7 +5134,7 @@
           <a:p>
             <a:fld id="{0A0255A0-EE2B-6E49-A611-C16850102233}" type="datetimeFigureOut">
               <a:rPr lang="en-US" smtClean="0"/>
-              <a:t>7/7/2020</a:t>
+              <a:t>7/21/2020</a:t>
             </a:fld>
             <a:endParaRPr lang="en-US"/>
           </a:p>
@@ -9323,37 +9323,28 @@
               </a:rPr>
             </a:br>
             <a:br>
-              <a:rPr lang="pt-BR" dirty="0">
+              <a:rPr lang="pt-BR">
                 <a:latin typeface="Segoe UI" panose="020B0502040204020203" pitchFamily="34" charset="0"/>
                 <a:cs typeface="Segoe UI" panose="020B0502040204020203" pitchFamily="34" charset="0"/>
               </a:rPr>
             </a:br>
             <a:r>
-              <a:rPr lang="pt-BR" sz="2000" dirty="0">
+              <a:rPr lang="pt-BR" sz="2000">
                 <a:solidFill>
                   <a:schemeClr val="accent1"/>
                 </a:solidFill>
                 <a:latin typeface="Segoe UI" panose="020B0502040204020203" pitchFamily="34" charset="0"/>
                 <a:cs typeface="Segoe UI" panose="020B0502040204020203" pitchFamily="34" charset="0"/>
               </a:rPr>
-              <a:t>prestador-paulo.kolbe@b3.com.br/</a:t>
-            </a:r>
-            <a:br>
-              <a:rPr lang="pt-BR" sz="2000" dirty="0">
-                <a:latin typeface="Segoe UI" panose="020B0502040204020203" pitchFamily="34" charset="0"/>
-                <a:cs typeface="Segoe UI" panose="020B0502040204020203" pitchFamily="34" charset="0"/>
-              </a:rPr>
-            </a:br>
-            <a:r>
-              <a:rPr lang="pt-BR" sz="2000" dirty="0">
-                <a:solidFill>
-                  <a:schemeClr val="accent1"/>
-                </a:solidFill>
-                <a:latin typeface="Segoe UI" panose="020B0502040204020203" pitchFamily="34" charset="0"/>
-                <a:cs typeface="Segoe UI" panose="020B0502040204020203" pitchFamily="34" charset="0"/>
-              </a:rPr>
-              <a:t>paulo.kolbe@gft.com</a:t>
-            </a:r>
+              <a:t>lace@b3.com.br</a:t>
+            </a:r>
+            <a:endParaRPr lang="pt-BR" sz="2000" dirty="0">
+              <a:solidFill>
+                <a:schemeClr val="accent1"/>
+              </a:solidFill>
+              <a:latin typeface="Segoe UI" panose="020B0502040204020203" pitchFamily="34" charset="0"/>
+              <a:cs typeface="Segoe UI" panose="020B0502040204020203" pitchFamily="34" charset="0"/>
+            </a:endParaRPr>
           </a:p>
         </p:txBody>
       </p:sp>
@@ -10473,8 +10464,8 @@
         </p:nvSpPr>
         <p:spPr>
           <a:xfrm>
-            <a:off x="956370" y="1996934"/>
-            <a:ext cx="3880885" cy="1538883"/>
+            <a:off x="988711" y="1432149"/>
+            <a:ext cx="3880885" cy="4308872"/>
           </a:xfrm>
           <a:prstGeom prst="rect">
             <a:avLst/>
@@ -10487,10 +10478,17 @@
           </a:bodyPr>
           <a:lstStyle/>
           <a:p>
-            <a:pPr marL="342900" indent="-342900" algn="just">
-              <a:buFont typeface="Wingdings" panose="05000000000000000000" pitchFamily="2" charset="2"/>
-              <a:buChar char="ü"/>
-            </a:pPr>
+            <a:pPr algn="just"/>
+            <a:r>
+              <a:rPr lang="en-US" sz="2000" dirty="0">
+                <a:solidFill>
+                  <a:srgbClr val="123274"/>
+                </a:solidFill>
+                <a:latin typeface="Segoe UI" panose="020B0502040204020203" pitchFamily="34" charset="0"/>
+                <a:cs typeface="Segoe UI" panose="020B0502040204020203" pitchFamily="34" charset="0"/>
+              </a:rPr>
+              <a:t>Code smell              Bug/ </a:t>
+            </a:r>
             <a:r>
               <a:rPr lang="en-US" sz="2000" dirty="0" err="1">
                 <a:solidFill>
@@ -10499,7 +10497,7 @@
                 <a:latin typeface="Segoe UI" panose="020B0502040204020203" pitchFamily="34" charset="0"/>
                 <a:cs typeface="Segoe UI" panose="020B0502040204020203" pitchFamily="34" charset="0"/>
               </a:rPr>
-              <a:t>Indicadores</a:t>
+              <a:t>Erro</a:t>
             </a:r>
             <a:r>
               <a:rPr lang="en-US" sz="2000" dirty="0">
@@ -10509,107 +10507,7 @@
                 <a:latin typeface="Segoe UI" panose="020B0502040204020203" pitchFamily="34" charset="0"/>
                 <a:cs typeface="Segoe UI" panose="020B0502040204020203" pitchFamily="34" charset="0"/>
               </a:rPr>
-              <a:t> que </a:t>
-            </a:r>
-            <a:r>
-              <a:rPr lang="en-US" sz="2000" dirty="0" err="1">
-                <a:solidFill>
-                  <a:srgbClr val="123274"/>
-                </a:solidFill>
-                <a:latin typeface="Segoe UI" panose="020B0502040204020203" pitchFamily="34" charset="0"/>
-                <a:cs typeface="Segoe UI" panose="020B0502040204020203" pitchFamily="34" charset="0"/>
-              </a:rPr>
-              <a:t>possíveis</a:t>
-            </a:r>
-            <a:r>
-              <a:rPr lang="en-US" sz="2000" dirty="0">
-                <a:solidFill>
-                  <a:srgbClr val="123274"/>
-                </a:solidFill>
-                <a:latin typeface="Segoe UI" panose="020B0502040204020203" pitchFamily="34" charset="0"/>
-                <a:cs typeface="Segoe UI" panose="020B0502040204020203" pitchFamily="34" charset="0"/>
-              </a:rPr>
               <a:t> </a:t>
-            </a:r>
-            <a:r>
-              <a:rPr lang="en-US" sz="2000" dirty="0" err="1">
-                <a:solidFill>
-                  <a:srgbClr val="123274"/>
-                </a:solidFill>
-                <a:latin typeface="Segoe UI" panose="020B0502040204020203" pitchFamily="34" charset="0"/>
-                <a:cs typeface="Segoe UI" panose="020B0502040204020203" pitchFamily="34" charset="0"/>
-              </a:rPr>
-              <a:t>problemas</a:t>
-            </a:r>
-            <a:r>
-              <a:rPr lang="en-US" sz="2000" dirty="0">
-                <a:solidFill>
-                  <a:srgbClr val="123274"/>
-                </a:solidFill>
-                <a:latin typeface="Segoe UI" panose="020B0502040204020203" pitchFamily="34" charset="0"/>
-                <a:cs typeface="Segoe UI" panose="020B0502040204020203" pitchFamily="34" charset="0"/>
-              </a:rPr>
-              <a:t> que </a:t>
-            </a:r>
-            <a:r>
-              <a:rPr lang="en-US" sz="2000" dirty="0" err="1">
-                <a:solidFill>
-                  <a:srgbClr val="123274"/>
-                </a:solidFill>
-                <a:latin typeface="Segoe UI" panose="020B0502040204020203" pitchFamily="34" charset="0"/>
-                <a:cs typeface="Segoe UI" panose="020B0502040204020203" pitchFamily="34" charset="0"/>
-              </a:rPr>
-              <a:t>podem</a:t>
-            </a:r>
-            <a:r>
-              <a:rPr lang="en-US" sz="2000" dirty="0">
-                <a:solidFill>
-                  <a:srgbClr val="123274"/>
-                </a:solidFill>
-                <a:latin typeface="Segoe UI" panose="020B0502040204020203" pitchFamily="34" charset="0"/>
-                <a:cs typeface="Segoe UI" panose="020B0502040204020203" pitchFamily="34" charset="0"/>
-              </a:rPr>
-              <a:t> ser </a:t>
-            </a:r>
-            <a:r>
-              <a:rPr lang="en-US" sz="2000" dirty="0" err="1">
-                <a:solidFill>
-                  <a:srgbClr val="123274"/>
-                </a:solidFill>
-                <a:latin typeface="Segoe UI" panose="020B0502040204020203" pitchFamily="34" charset="0"/>
-                <a:cs typeface="Segoe UI" panose="020B0502040204020203" pitchFamily="34" charset="0"/>
-              </a:rPr>
-              <a:t>eliminados</a:t>
-            </a:r>
-            <a:r>
-              <a:rPr lang="en-US" sz="2000" dirty="0">
-                <a:solidFill>
-                  <a:srgbClr val="123274"/>
-                </a:solidFill>
-                <a:latin typeface="Segoe UI" panose="020B0502040204020203" pitchFamily="34" charset="0"/>
-                <a:cs typeface="Segoe UI" panose="020B0502040204020203" pitchFamily="34" charset="0"/>
-              </a:rPr>
-              <a:t> via </a:t>
-            </a:r>
-            <a:r>
-              <a:rPr lang="en-US" sz="2000" dirty="0" err="1">
-                <a:solidFill>
-                  <a:srgbClr val="123274"/>
-                </a:solidFill>
-                <a:latin typeface="Segoe UI" panose="020B0502040204020203" pitchFamily="34" charset="0"/>
-                <a:cs typeface="Segoe UI" panose="020B0502040204020203" pitchFamily="34" charset="0"/>
-              </a:rPr>
-              <a:t>refatoração</a:t>
-            </a:r>
-            <a:r>
-              <a:rPr lang="en-US" sz="2000" dirty="0">
-                <a:solidFill>
-                  <a:srgbClr val="123274"/>
-                </a:solidFill>
-                <a:latin typeface="Segoe UI" panose="020B0502040204020203" pitchFamily="34" charset="0"/>
-                <a:cs typeface="Segoe UI" panose="020B0502040204020203" pitchFamily="34" charset="0"/>
-              </a:rPr>
-              <a:t>. </a:t>
             </a:r>
           </a:p>
           <a:p>
@@ -10630,6 +10528,65 @@
               <a:buFont typeface="Wingdings" panose="05000000000000000000" pitchFamily="2" charset="2"/>
               <a:buChar char="ü"/>
             </a:pPr>
+            <a:endParaRPr lang="en-US" sz="2000" dirty="0">
+              <a:solidFill>
+                <a:srgbClr val="123274"/>
+              </a:solidFill>
+              <a:latin typeface="Segoe UI" panose="020B0502040204020203" pitchFamily="34" charset="0"/>
+              <a:cs typeface="Segoe UI" panose="020B0502040204020203" pitchFamily="34" charset="0"/>
+            </a:endParaRPr>
+          </a:p>
+          <a:p>
+            <a:pPr marL="342900" indent="-342900" algn="just">
+              <a:buFont typeface="Wingdings" panose="05000000000000000000" pitchFamily="2" charset="2"/>
+              <a:buChar char="ü"/>
+            </a:pPr>
+            <a:endParaRPr lang="en-US" sz="2000" dirty="0">
+              <a:solidFill>
+                <a:srgbClr val="123274"/>
+              </a:solidFill>
+              <a:latin typeface="Segoe UI" panose="020B0502040204020203" pitchFamily="34" charset="0"/>
+              <a:cs typeface="Segoe UI" panose="020B0502040204020203" pitchFamily="34" charset="0"/>
+            </a:endParaRPr>
+          </a:p>
+          <a:p>
+            <a:pPr marL="342900" indent="-342900" algn="just">
+              <a:buFont typeface="Wingdings" panose="05000000000000000000" pitchFamily="2" charset="2"/>
+              <a:buChar char="ü"/>
+            </a:pPr>
+            <a:endParaRPr lang="en-US" sz="2000" dirty="0">
+              <a:solidFill>
+                <a:srgbClr val="123274"/>
+              </a:solidFill>
+              <a:latin typeface="Segoe UI" panose="020B0502040204020203" pitchFamily="34" charset="0"/>
+              <a:cs typeface="Segoe UI" panose="020B0502040204020203" pitchFamily="34" charset="0"/>
+            </a:endParaRPr>
+          </a:p>
+          <a:p>
+            <a:pPr marL="342900" indent="-342900" algn="just">
+              <a:buFont typeface="Wingdings" panose="05000000000000000000" pitchFamily="2" charset="2"/>
+              <a:buChar char="ü"/>
+            </a:pPr>
+            <a:endParaRPr lang="en-US" sz="2000" dirty="0">
+              <a:solidFill>
+                <a:srgbClr val="123274"/>
+              </a:solidFill>
+              <a:latin typeface="Segoe UI" panose="020B0502040204020203" pitchFamily="34" charset="0"/>
+              <a:cs typeface="Segoe UI" panose="020B0502040204020203" pitchFamily="34" charset="0"/>
+            </a:endParaRPr>
+          </a:p>
+          <a:p>
+            <a:pPr algn="just"/>
+            <a:endParaRPr lang="en-US" sz="2000" dirty="0">
+              <a:solidFill>
+                <a:srgbClr val="123274"/>
+              </a:solidFill>
+              <a:latin typeface="Segoe UI" panose="020B0502040204020203" pitchFamily="34" charset="0"/>
+              <a:cs typeface="Segoe UI" panose="020B0502040204020203" pitchFamily="34" charset="0"/>
+            </a:endParaRPr>
+          </a:p>
+          <a:p>
+            <a:pPr algn="just"/>
             <a:r>
               <a:rPr lang="en-US" sz="2000" dirty="0" err="1">
                 <a:solidFill>
@@ -10638,7 +10595,7 @@
                 <a:latin typeface="Segoe UI" panose="020B0502040204020203" pitchFamily="34" charset="0"/>
                 <a:cs typeface="Segoe UI" panose="020B0502040204020203" pitchFamily="34" charset="0"/>
               </a:rPr>
-              <a:t>Fáceis</a:t>
+              <a:t>Relativamente</a:t>
             </a:r>
             <a:r>
               <a:rPr lang="en-US" sz="2000" dirty="0">
@@ -10648,6 +10605,26 @@
                 <a:latin typeface="Segoe UI" panose="020B0502040204020203" pitchFamily="34" charset="0"/>
                 <a:cs typeface="Segoe UI" panose="020B0502040204020203" pitchFamily="34" charset="0"/>
               </a:rPr>
+              <a:t> </a:t>
+            </a:r>
+            <a:r>
+              <a:rPr lang="en-US" sz="2000" dirty="0" err="1">
+                <a:solidFill>
+                  <a:srgbClr val="123274"/>
+                </a:solidFill>
+                <a:latin typeface="Segoe UI" panose="020B0502040204020203" pitchFamily="34" charset="0"/>
+                <a:cs typeface="Segoe UI" panose="020B0502040204020203" pitchFamily="34" charset="0"/>
+              </a:rPr>
+              <a:t>fáceis</a:t>
+            </a:r>
+            <a:r>
+              <a:rPr lang="en-US" sz="2000" dirty="0">
+                <a:solidFill>
+                  <a:srgbClr val="123274"/>
+                </a:solidFill>
+                <a:latin typeface="Segoe UI" panose="020B0502040204020203" pitchFamily="34" charset="0"/>
+                <a:cs typeface="Segoe UI" panose="020B0502040204020203" pitchFamily="34" charset="0"/>
+              </a:rPr>
               <a:t> de </a:t>
             </a:r>
             <a:r>
@@ -10668,7 +10645,7 @@
                 <a:latin typeface="Segoe UI" panose="020B0502040204020203" pitchFamily="34" charset="0"/>
                 <a:cs typeface="Segoe UI" panose="020B0502040204020203" pitchFamily="34" charset="0"/>
               </a:rPr>
-              <a:t> e </a:t>
+              <a:t> </a:t>
             </a:r>
             <a:r>
               <a:rPr lang="en-US" sz="2000" dirty="0" err="1">
@@ -10678,7 +10655,147 @@
                 <a:latin typeface="Segoe UI" panose="020B0502040204020203" pitchFamily="34" charset="0"/>
                 <a:cs typeface="Segoe UI" panose="020B0502040204020203" pitchFamily="34" charset="0"/>
               </a:rPr>
-              <a:t>corrigir</a:t>
+              <a:t>através</a:t>
+            </a:r>
+            <a:r>
+              <a:rPr lang="en-US" sz="2000" dirty="0">
+                <a:solidFill>
+                  <a:srgbClr val="123274"/>
+                </a:solidFill>
+                <a:latin typeface="Segoe UI" panose="020B0502040204020203" pitchFamily="34" charset="0"/>
+                <a:cs typeface="Segoe UI" panose="020B0502040204020203" pitchFamily="34" charset="0"/>
+              </a:rPr>
+              <a:t> de ferramentas </a:t>
+            </a:r>
+            <a:r>
+              <a:rPr lang="en-US" sz="2000" dirty="0" err="1">
+                <a:solidFill>
+                  <a:srgbClr val="123274"/>
+                </a:solidFill>
+                <a:latin typeface="Segoe UI" panose="020B0502040204020203" pitchFamily="34" charset="0"/>
+                <a:cs typeface="Segoe UI" panose="020B0502040204020203" pitchFamily="34" charset="0"/>
+              </a:rPr>
+              <a:t>como</a:t>
+            </a:r>
+            <a:r>
+              <a:rPr lang="en-US" sz="2000" dirty="0">
+                <a:solidFill>
+                  <a:srgbClr val="123274"/>
+                </a:solidFill>
+                <a:latin typeface="Segoe UI" panose="020B0502040204020203" pitchFamily="34" charset="0"/>
+                <a:cs typeface="Segoe UI" panose="020B0502040204020203" pitchFamily="34" charset="0"/>
+              </a:rPr>
+              <a:t> o </a:t>
+            </a:r>
+            <a:r>
+              <a:rPr lang="en-US" sz="2000" dirty="0" err="1">
+                <a:solidFill>
+                  <a:srgbClr val="123274"/>
+                </a:solidFill>
+                <a:latin typeface="Segoe UI" panose="020B0502040204020203" pitchFamily="34" charset="0"/>
+                <a:cs typeface="Segoe UI" panose="020B0502040204020203" pitchFamily="34" charset="0"/>
+              </a:rPr>
+              <a:t>Sonarqube</a:t>
+            </a:r>
+            <a:endParaRPr lang="en-US" sz="2000" dirty="0">
+              <a:solidFill>
+                <a:srgbClr val="123274"/>
+              </a:solidFill>
+              <a:latin typeface="Segoe UI" panose="020B0502040204020203" pitchFamily="34" charset="0"/>
+              <a:cs typeface="Segoe UI" panose="020B0502040204020203" pitchFamily="34" charset="0"/>
+            </a:endParaRPr>
+          </a:p>
+          <a:p>
+            <a:pPr algn="just"/>
+            <a:endParaRPr lang="en-US" sz="2000" dirty="0">
+              <a:solidFill>
+                <a:srgbClr val="123274"/>
+              </a:solidFill>
+              <a:latin typeface="Segoe UI" panose="020B0502040204020203" pitchFamily="34" charset="0"/>
+              <a:cs typeface="Segoe UI" panose="020B0502040204020203" pitchFamily="34" charset="0"/>
+            </a:endParaRPr>
+          </a:p>
+          <a:p>
+            <a:pPr algn="just"/>
+            <a:endParaRPr lang="en-US" sz="2000" dirty="0">
+              <a:solidFill>
+                <a:srgbClr val="123274"/>
+              </a:solidFill>
+              <a:latin typeface="Segoe UI" panose="020B0502040204020203" pitchFamily="34" charset="0"/>
+              <a:cs typeface="Segoe UI" panose="020B0502040204020203" pitchFamily="34" charset="0"/>
+            </a:endParaRPr>
+          </a:p>
+          <a:p>
+            <a:pPr algn="just"/>
+            <a:r>
+              <a:rPr lang="en-US" sz="2000" dirty="0" err="1">
+                <a:solidFill>
+                  <a:srgbClr val="123274"/>
+                </a:solidFill>
+                <a:latin typeface="Segoe UI" panose="020B0502040204020203" pitchFamily="34" charset="0"/>
+                <a:cs typeface="Segoe UI" panose="020B0502040204020203" pitchFamily="34" charset="0"/>
+              </a:rPr>
+              <a:t>Eliminados</a:t>
+            </a:r>
+            <a:r>
+              <a:rPr lang="en-US" sz="2000" dirty="0">
+                <a:solidFill>
+                  <a:srgbClr val="123274"/>
+                </a:solidFill>
+                <a:latin typeface="Segoe UI" panose="020B0502040204020203" pitchFamily="34" charset="0"/>
+                <a:cs typeface="Segoe UI" panose="020B0502040204020203" pitchFamily="34" charset="0"/>
+              </a:rPr>
+              <a:t> </a:t>
+            </a:r>
+            <a:r>
+              <a:rPr lang="en-US" sz="2000" dirty="0" err="1">
+                <a:solidFill>
+                  <a:srgbClr val="123274"/>
+                </a:solidFill>
+                <a:latin typeface="Segoe UI" panose="020B0502040204020203" pitchFamily="34" charset="0"/>
+                <a:cs typeface="Segoe UI" panose="020B0502040204020203" pitchFamily="34" charset="0"/>
+              </a:rPr>
+              <a:t>através</a:t>
+            </a:r>
+            <a:r>
+              <a:rPr lang="en-US" sz="2000" dirty="0">
+                <a:solidFill>
+                  <a:srgbClr val="123274"/>
+                </a:solidFill>
+                <a:latin typeface="Segoe UI" panose="020B0502040204020203" pitchFamily="34" charset="0"/>
+                <a:cs typeface="Segoe UI" panose="020B0502040204020203" pitchFamily="34" charset="0"/>
+              </a:rPr>
+              <a:t> de </a:t>
+            </a:r>
+            <a:r>
+              <a:rPr lang="en-US" sz="2000" dirty="0" err="1">
+                <a:solidFill>
+                  <a:srgbClr val="123274"/>
+                </a:solidFill>
+                <a:latin typeface="Segoe UI" panose="020B0502040204020203" pitchFamily="34" charset="0"/>
+                <a:cs typeface="Segoe UI" panose="020B0502040204020203" pitchFamily="34" charset="0"/>
+              </a:rPr>
+              <a:t>técnicas</a:t>
+            </a:r>
+            <a:r>
+              <a:rPr lang="en-US" sz="2000" dirty="0">
+                <a:solidFill>
+                  <a:srgbClr val="123274"/>
+                </a:solidFill>
+                <a:latin typeface="Segoe UI" panose="020B0502040204020203" pitchFamily="34" charset="0"/>
+                <a:cs typeface="Segoe UI" panose="020B0502040204020203" pitchFamily="34" charset="0"/>
+              </a:rPr>
+              <a:t> de </a:t>
+            </a:r>
+            <a:r>
+              <a:rPr lang="en-US" sz="2000" dirty="0" err="1">
+                <a:solidFill>
+                  <a:srgbClr val="123274"/>
+                </a:solidFill>
+                <a:latin typeface="Segoe UI" panose="020B0502040204020203" pitchFamily="34" charset="0"/>
+                <a:cs typeface="Segoe UI" panose="020B0502040204020203" pitchFamily="34" charset="0"/>
+              </a:rPr>
+              <a:t>refatoração</a:t>
             </a:r>
             <a:r>
               <a:rPr lang="en-US" sz="2000" dirty="0">
@@ -10721,7 +10838,7 @@
         </p:blipFill>
         <p:spPr>
           <a:xfrm>
-            <a:off x="410823" y="4725143"/>
+            <a:off x="269121" y="2099605"/>
             <a:ext cx="711671" cy="711671"/>
           </a:xfrm>
           <a:prstGeom prst="rect">
@@ -10743,7 +10860,7 @@
         </p:nvSpPr>
         <p:spPr>
           <a:xfrm>
-            <a:off x="1122494" y="4542369"/>
+            <a:off x="983432" y="1916832"/>
             <a:ext cx="3697763" cy="1077218"/>
           </a:xfrm>
           <a:prstGeom prst="rect">
@@ -11026,6 +11143,61 @@
           </a:effectLst>
         </p:spPr>
       </p:pic>
+      <p:sp>
+        <p:nvSpPr>
+          <p:cNvPr id="3" name="Not Equal 2">
+            <a:extLst>
+              <a:ext uri="{FF2B5EF4-FFF2-40B4-BE49-F238E27FC236}">
+                <a16:creationId xmlns:a16="http://schemas.microsoft.com/office/drawing/2014/main" id="{CE589A24-041A-42B0-AA41-ACF33B8E3F66}"/>
+              </a:ext>
+            </a:extLst>
+          </p:cNvPr>
+          <p:cNvSpPr/>
+          <p:nvPr/>
+        </p:nvSpPr>
+        <p:spPr>
+          <a:xfrm>
+            <a:off x="2279486" y="1346580"/>
+            <a:ext cx="864096" cy="458145"/>
+          </a:xfrm>
+          <a:prstGeom prst="mathNotEqual">
+            <a:avLst/>
+          </a:prstGeom>
+          <a:solidFill>
+            <a:srgbClr val="FF0000"/>
+          </a:solidFill>
+          <a:ln>
+            <a:noFill/>
+          </a:ln>
+          <a:effectLst/>
+        </p:spPr>
+        <p:style>
+          <a:lnRef idx="1">
+            <a:schemeClr val="accent1"/>
+          </a:lnRef>
+          <a:fillRef idx="3">
+            <a:schemeClr val="accent1"/>
+          </a:fillRef>
+          <a:effectRef idx="2">
+            <a:schemeClr val="accent1"/>
+          </a:effectRef>
+          <a:fontRef idx="minor">
+            <a:schemeClr val="lt1"/>
+          </a:fontRef>
+        </p:style>
+        <p:txBody>
+          <a:bodyPr rtlCol="0" anchor="ctr"/>
+          <a:lstStyle/>
+          <a:p>
+            <a:pPr algn="ctr"/>
+            <a:endParaRPr lang="pt-BR" dirty="0">
+              <a:solidFill>
+                <a:schemeClr val="tx1"/>
+              </a:solidFill>
+            </a:endParaRPr>
+          </a:p>
+        </p:txBody>
+      </p:sp>
     </p:spTree>
     <p:extLst>
       <p:ext uri="{BB962C8B-B14F-4D97-AF65-F5344CB8AC3E}">
@@ -11752,43 +11924,6 @@
               </a:srgbClr>
             </a:outerShdw>
           </a:effectLst>
-        </p:spPr>
-      </p:pic>
-      <p:pic>
-        <p:nvPicPr>
-          <p:cNvPr id="7" name="Imagem 3" descr="Uma imagem contendo desenho&#10;&#10;Descrição gerada automaticamente">
-            <a:hlinkClick r:id="rId3"/>
-            <a:extLst>
-              <a:ext uri="{FF2B5EF4-FFF2-40B4-BE49-F238E27FC236}">
-                <a16:creationId xmlns:a16="http://schemas.microsoft.com/office/drawing/2014/main" id="{1A986CA7-C5CD-45D2-A825-0028BF4E48EA}"/>
-              </a:ext>
-            </a:extLst>
-          </p:cNvPr>
-          <p:cNvPicPr>
-            <a:picLocks noChangeAspect="1"/>
-          </p:cNvPicPr>
-          <p:nvPr/>
-        </p:nvPicPr>
-        <p:blipFill>
-          <a:blip r:embed="rId4" cstate="print">
-            <a:extLst>
-              <a:ext uri="{28A0092B-C50C-407E-A947-70E740481C1C}">
-                <a14:useLocalDpi xmlns:a14="http://schemas.microsoft.com/office/drawing/2010/main" val="0"/>
-              </a:ext>
-            </a:extLst>
-          </a:blip>
-          <a:stretch>
-            <a:fillRect/>
-          </a:stretch>
-        </p:blipFill>
-        <p:spPr>
-          <a:xfrm>
-            <a:off x="2846192" y="4725144"/>
-            <a:ext cx="587411" cy="587411"/>
-          </a:xfrm>
-          <a:prstGeom prst="rect">
-            <a:avLst/>
-          </a:prstGeom>
         </p:spPr>
       </p:pic>
     </p:spTree>
@@ -12708,6 +12843,15 @@
 </file>
 
 <file path=customXml/item1.xml><?xml version="1.0" encoding="utf-8"?>
+<?mso-contentType ?>
+<FormTemplates xmlns="http://schemas.microsoft.com/sharepoint/v3/contenttype/forms">
+  <Display>DocumentLibraryForm</Display>
+  <Edit>DocumentLibraryForm</Edit>
+  <New>DocumentLibraryForm</New>
+</FormTemplates>
+</file>
+
+<file path=customXml/item2.xml><?xml version="1.0" encoding="utf-8"?>
 <p:properties xmlns:p="http://schemas.microsoft.com/office/2006/metadata/properties" xmlns:xsi="http://www.w3.org/2001/XMLSchema-instance" xmlns:pc="http://schemas.microsoft.com/office/infopath/2007/PartnerControls">
   <documentManagement>
     <PublishingExpirationDate xmlns="http://schemas.microsoft.com/sharepoint/v3" xsi:nil="true"/>
@@ -12716,7 +12860,7 @@
 </p:properties>
 </file>
 
-<file path=customXml/item2.xml><?xml version="1.0" encoding="utf-8"?>
+<file path=customXml/item3.xml><?xml version="1.0" encoding="utf-8"?>
 <ct:contentTypeSchema xmlns:ct="http://schemas.microsoft.com/office/2006/metadata/contentType" xmlns:ma="http://schemas.microsoft.com/office/2006/metadata/properties/metaAttributes" ct:_="" ma:_="" ma:contentTypeName="Documento" ma:contentTypeID="0x0101001996EFEF7D0459479C2B077F9CC506F4" ma:contentTypeVersion="10" ma:contentTypeDescription="Crie um novo documento." ma:contentTypeScope="" ma:versionID="43cd10b64f265b7dd32059be640333a9">
   <xsd:schema xmlns:xsd="http://www.w3.org/2001/XMLSchema" xmlns:xs="http://www.w3.org/2001/XMLSchema" xmlns:p="http://schemas.microsoft.com/office/2006/metadata/properties" xmlns:ns1="http://schemas.microsoft.com/sharepoint/v3" xmlns:ns2="80facd6c-f04a-426f-adbd-b3840a7840bd" xmlns:ns3="d33496c5-bd94-446e-a363-fca1fec0d15a" targetNamespace="http://schemas.microsoft.com/office/2006/metadata/properties" ma:root="true" ma:fieldsID="0d6b128c5ce9545d0d2912f9a975af95" ns1:_="" ns2:_="" ns3:_="">
     <xsd:import namespace="http://schemas.microsoft.com/sharepoint/v3"/>
@@ -12930,16 +13074,15 @@
 </ct:contentTypeSchema>
 </file>
 
-<file path=customXml/item3.xml><?xml version="1.0" encoding="utf-8"?>
-<?mso-contentType ?>
-<FormTemplates xmlns="http://schemas.microsoft.com/sharepoint/v3/contenttype/forms">
-  <Display>DocumentLibraryForm</Display>
-  <Edit>DocumentLibraryForm</Edit>
-  <New>DocumentLibraryForm</New>
-</FormTemplates>
+<file path=customXml/itemProps1.xml><?xml version="1.0" encoding="utf-8"?>
+<ds:datastoreItem xmlns:ds="http://schemas.openxmlformats.org/officeDocument/2006/customXml" ds:itemID="{98DACE87-CD74-4C35-ADF8-12B4276F2F66}">
+  <ds:schemaRefs>
+    <ds:schemaRef ds:uri="http://schemas.microsoft.com/sharepoint/v3/contenttype/forms"/>
+  </ds:schemaRefs>
+</ds:datastoreItem>
 </file>
 
-<file path=customXml/itemProps1.xml><?xml version="1.0" encoding="utf-8"?>
+<file path=customXml/itemProps2.xml><?xml version="1.0" encoding="utf-8"?>
 <ds:datastoreItem xmlns:ds="http://schemas.openxmlformats.org/officeDocument/2006/customXml" ds:itemID="{BEF3FD83-2601-46A9-AA9B-655B326F1C5E}">
   <ds:schemaRefs>
     <ds:schemaRef ds:uri="http://schemas.microsoft.com/office/2006/metadata/properties"/>
@@ -12949,7 +13092,7 @@
 </ds:datastoreItem>
 </file>
 
-<file path=customXml/itemProps2.xml><?xml version="1.0" encoding="utf-8"?>
+<file path=customXml/itemProps3.xml><?xml version="1.0" encoding="utf-8"?>
 <ds:datastoreItem xmlns:ds="http://schemas.openxmlformats.org/officeDocument/2006/customXml" ds:itemID="{AB30B8D0-9C02-4061-951A-8B7B3A86F5B0}">
   <ds:schemaRefs>
     <ds:schemaRef ds:uri="http://schemas.microsoft.com/office/2006/metadata/contentType"/>
@@ -12967,12 +13110,4 @@
     <ds:schemaRef ds:uri="http://schemas.microsoft.com/internal/obd"/>
   </ds:schemaRefs>
 </ds:datastoreItem>
-</file>
-
-<file path=customXml/itemProps3.xml><?xml version="1.0" encoding="utf-8"?>
-<ds:datastoreItem xmlns:ds="http://schemas.openxmlformats.org/officeDocument/2006/customXml" ds:itemID="{98DACE87-CD74-4C35-ADF8-12B4276F2F66}">
-  <ds:schemaRefs>
-    <ds:schemaRef ds:uri="http://schemas.microsoft.com/sharepoint/v3/contenttype/forms"/>
-  </ds:schemaRefs>
-</ds:datastoreItem>
 </file>